--- a/presentation materials/matthews-journey-presentation.pptx
+++ b/presentation materials/matthews-journey-presentation.pptx
@@ -126,6 +126,11 @@
       </a:defRPr>
     </a:lvl9pPr>
   </p:defaultTextStyle>
+  <p:extLst>
+    <p:ext uri="{EFAFB233-063F-42B5-8137-9DF3F51BA10A}">
+      <p15:sldGuideLst xmlns:p15="http://schemas.microsoft.com/office/powerpoint/2012/main"/>
+    </p:ext>
+  </p:extLst>
 </p:presentation>
 </file>
 
@@ -908,7 +913,7 @@
         <p:spPr>
           <a:xfrm>
             <a:off x="685800" y="1143000"/>
-            <a:ext cx="5484960" cy="3084840"/>
+            <a:ext cx="5484813" cy="3084513"/>
           </a:xfrm>
           <a:prstGeom prst="rect">
             <a:avLst/>
@@ -1078,7 +1083,7 @@
         <p:spPr>
           <a:xfrm>
             <a:off x="685800" y="1143000"/>
-            <a:ext cx="5484960" cy="3084840"/>
+            <a:ext cx="5484813" cy="3084513"/>
           </a:xfrm>
           <a:prstGeom prst="rect">
             <a:avLst/>
@@ -1418,7 +1423,7 @@
         <p:spPr>
           <a:xfrm>
             <a:off x="685800" y="1143000"/>
-            <a:ext cx="5484960" cy="3084840"/>
+            <a:ext cx="5484813" cy="3084513"/>
           </a:xfrm>
           <a:prstGeom prst="rect">
             <a:avLst/>
@@ -12402,20 +12407,14 @@
               <a:buChar char="•"/>
             </a:pPr>
             <a:r>
-              <a:rPr lang="en-US" sz="2000" b="0" strike="noStrike" spc="-1" dirty="0">
+              <a:rPr lang="en-US" sz="3200" b="0" strike="noStrike" spc="-1" dirty="0">
                 <a:solidFill>
                   <a:schemeClr val="dk1"/>
                 </a:solidFill>
                 <a:latin typeface="-apple-system"/>
               </a:rPr>
-              <a:t>Outline of presentation</a:t>
+              <a:t>Combat</a:t>
             </a:r>
-            <a:endParaRPr lang="en-US" sz="2000" b="0" strike="noStrike" spc="-1" dirty="0">
-              <a:solidFill>
-                <a:srgbClr val="FFFFFF"/>
-              </a:solidFill>
-              <a:latin typeface="Arial"/>
-            </a:endParaRPr>
           </a:p>
           <a:p>
             <a:pPr marL="228600" indent="-228600" defTabSz="914400">
@@ -12432,15 +12431,63 @@
               <a:buChar char="•"/>
             </a:pPr>
             <a:r>
-              <a:rPr lang="en-US" sz="2000" b="0" strike="noStrike" spc="-1" dirty="0">
+              <a:rPr lang="en-US" sz="3200" spc="-1" dirty="0">
                 <a:solidFill>
                   <a:schemeClr val="dk1"/>
                 </a:solidFill>
                 <a:latin typeface="-apple-system"/>
               </a:rPr>
-              <a:t>Architecture overview figure </a:t>
+              <a:t>Items</a:t>
             </a:r>
-            <a:endParaRPr lang="en-US" sz="2000" b="0" strike="noStrike" spc="-1" dirty="0">
+          </a:p>
+          <a:p>
+            <a:pPr marL="228600" indent="-228600" defTabSz="914400">
+              <a:lnSpc>
+                <a:spcPct val="90000"/>
+              </a:lnSpc>
+              <a:spcBef>
+                <a:spcPts val="1001"/>
+              </a:spcBef>
+              <a:buClr>
+                <a:srgbClr val="FFFFFF"/>
+              </a:buClr>
+              <a:buFont typeface="Arial"/>
+              <a:buChar char="•"/>
+            </a:pPr>
+            <a:r>
+              <a:rPr lang="en-US" sz="3200" b="0" strike="noStrike" spc="-1" dirty="0">
+                <a:solidFill>
+                  <a:schemeClr val="dk1"/>
+                </a:solidFill>
+                <a:latin typeface="-apple-system"/>
+              </a:rPr>
+              <a:t>GUI</a:t>
+            </a:r>
+          </a:p>
+          <a:p>
+            <a:pPr marL="228600" indent="-228600" defTabSz="914400">
+              <a:lnSpc>
+                <a:spcPct val="90000"/>
+              </a:lnSpc>
+              <a:spcBef>
+                <a:spcPts val="1001"/>
+              </a:spcBef>
+              <a:buClr>
+                <a:srgbClr val="FFFFFF"/>
+              </a:buClr>
+              <a:buFont typeface="Arial"/>
+              <a:buChar char="•"/>
+            </a:pPr>
+            <a:r>
+              <a:rPr lang="en-US" sz="3200" spc="-1" dirty="0">
+                <a:solidFill>
+                  <a:schemeClr val="dk1"/>
+                </a:solidFill>
+                <a:latin typeface="-apple-system"/>
+              </a:rPr>
+              <a:t>Map</a:t>
+            </a:r>
+            <a:endParaRPr lang="en-US" sz="3200" b="0" strike="noStrike" spc="-1" dirty="0">
               <a:solidFill>
                 <a:srgbClr val="FFFFFF"/>
               </a:solidFill>
@@ -12449,6 +12496,42 @@
           </a:p>
         </p:txBody>
       </p:sp>
+      <p:pic>
+        <p:nvPicPr>
+          <p:cNvPr id="3" name="Picture 2" descr="A diagram of a diagram&#10;&#10;Description automatically generated">
+            <a:extLst>
+              <a:ext uri="{FF2B5EF4-FFF2-40B4-BE49-F238E27FC236}">
+                <a16:creationId xmlns:a16="http://schemas.microsoft.com/office/drawing/2014/main" id="{29049055-D759-80FC-1E5B-55C3B7B558AE}"/>
+              </a:ext>
+            </a:extLst>
+          </p:cNvPr>
+          <p:cNvPicPr>
+            <a:picLocks noChangeAspect="1"/>
+          </p:cNvPicPr>
+          <p:nvPr/>
+        </p:nvPicPr>
+        <p:blipFill>
+          <a:blip r:embed="rId3">
+            <a:extLst>
+              <a:ext uri="{28A0092B-C50C-407E-A947-70E740481C1C}">
+                <a14:useLocalDpi xmlns:a14="http://schemas.microsoft.com/office/drawing/2010/main" val="0"/>
+              </a:ext>
+            </a:extLst>
+          </a:blip>
+          <a:stretch>
+            <a:fillRect/>
+          </a:stretch>
+        </p:blipFill>
+        <p:spPr>
+          <a:xfrm>
+            <a:off x="4514313" y="714588"/>
+            <a:ext cx="6837927" cy="4524545"/>
+          </a:xfrm>
+          <a:prstGeom prst="rect">
+            <a:avLst/>
+          </a:prstGeom>
+        </p:spPr>
+      </p:pic>
     </p:spTree>
   </p:cSld>
   <p:clrMapOvr>
@@ -12802,7 +12885,7 @@
         </p:spPr>
         <p:txBody>
           <a:bodyPr lIns="91440" tIns="45720" rIns="91440" bIns="45720" anchor="t">
-            <a:normAutofit fontScale="75000" lnSpcReduction="10000"/>
+            <a:normAutofit fontScale="82500" lnSpcReduction="20000"/>
           </a:bodyPr>
           <a:lstStyle/>
           <a:p>
@@ -13046,7 +13129,7 @@
           <p:nvPr/>
         </p:nvPicPr>
         <p:blipFill>
-          <a:blip r:embed="rId6"/>
+          <a:blip r:embed="rId4"/>
           <a:stretch/>
         </p:blipFill>
         <p:spPr>
@@ -13069,16 +13152,11 @@
           </p:cNvPr>
           <p:cNvPicPr/>
           <p:nvPr>
-            <a:videoFile r:link="rId2"/>
-            <p:extLst>
-              <p:ext uri="{DAA4B4D4-6D71-4841-9C94-3DE7FCFB9230}">
-                <p14:media xmlns:p14="http://schemas.microsoft.com/office/powerpoint/2010/main" r:link="rId3"/>
-              </p:ext>
-            </p:extLst>
+            <a:videoFile r:link="rId1"/>
           </p:nvPr>
         </p:nvPicPr>
         <p:blipFill>
-          <a:blip r:embed="rId7"/>
+          <a:blip r:embed="rId5"/>
           <a:stretch>
             <a:fillRect/>
           </a:stretch>
@@ -13687,16 +13765,11 @@
           </p:cNvPr>
           <p:cNvPicPr/>
           <p:nvPr>
-            <a:videoFile r:link="rId2"/>
-            <p:extLst>
-              <p:ext uri="{DAA4B4D4-6D71-4841-9C94-3DE7FCFB9230}">
-                <p14:media xmlns:p14="http://schemas.microsoft.com/office/powerpoint/2010/main" r:link="rId3"/>
-              </p:ext>
-            </p:extLst>
+            <a:videoFile r:link="rId1"/>
           </p:nvPr>
         </p:nvPicPr>
         <p:blipFill>
-          <a:blip r:embed="rId6"/>
+          <a:blip r:embed="rId4"/>
           <a:stretch>
             <a:fillRect/>
           </a:stretch>
@@ -14067,7 +14140,7 @@
         </p:spPr>
         <p:txBody>
           <a:bodyPr lIns="91440" tIns="45720" rIns="91440" bIns="45720" anchor="t">
-            <a:normAutofit fontScale="75000" lnSpcReduction="10000"/>
+            <a:normAutofit fontScale="82500" lnSpcReduction="20000"/>
           </a:bodyPr>
           <a:lstStyle/>
           <a:p>
@@ -14083,7 +14156,7 @@
                 <a:tab pos="0" algn="l"/>
               </a:tabLst>
             </a:pPr>
-            <a:endParaRPr lang="en-US" sz="2000" b="0" strike="noStrike" spc="-1">
+            <a:endParaRPr lang="en-US" sz="2000" b="0" strike="noStrike" spc="-1" dirty="0">
               <a:solidFill>
                 <a:srgbClr val="FFFFFF"/>
               </a:solidFill>
@@ -14111,7 +14184,7 @@
               </a:tabLst>
             </a:pPr>
             <a:r>
-              <a:rPr lang="en-US" sz="2000" b="0" strike="noStrike" spc="-1">
+              <a:rPr lang="en-US" sz="2000" b="0" strike="noStrike" spc="-1" dirty="0">
                 <a:solidFill>
                   <a:schemeClr val="dk1"/>
                 </a:solidFill>
@@ -14119,7 +14192,7 @@
               </a:rPr>
               <a:t>User Story: As a player, I want to interact with characters through dialogue boxes and understand how to play the game through those interactions. </a:t>
             </a:r>
-            <a:endParaRPr lang="en-US" sz="2000" b="0" strike="noStrike" spc="-1">
+            <a:endParaRPr lang="en-US" sz="2000" b="0" strike="noStrike" spc="-1" dirty="0">
               <a:solidFill>
                 <a:srgbClr val="FFFFFF"/>
               </a:solidFill>
@@ -14147,7 +14220,7 @@
               </a:tabLst>
             </a:pPr>
             <a:r>
-              <a:rPr lang="en-US" sz="2000" b="0" strike="noStrike" spc="-1">
+              <a:rPr lang="en-US" sz="2000" b="0" strike="noStrike" spc="-1" dirty="0">
                 <a:solidFill>
                   <a:schemeClr val="dk1"/>
                 </a:solidFill>
@@ -14155,7 +14228,7 @@
               </a:rPr>
               <a:t>Requirement: The characters shall have a dialogue mechanic. </a:t>
             </a:r>
-            <a:endParaRPr lang="en-US" sz="2000" b="0" strike="noStrike" spc="-1">
+            <a:endParaRPr lang="en-US" sz="2000" b="0" strike="noStrike" spc="-1" dirty="0">
               <a:solidFill>
                 <a:srgbClr val="FFFFFF"/>
               </a:solidFill>
@@ -14183,15 +14256,105 @@
               </a:tabLst>
             </a:pPr>
             <a:r>
-              <a:rPr lang="en-US" sz="2000" b="0" strike="noStrike" spc="-1">
+              <a:rPr lang="en-US" sz="2000" b="0" strike="noStrike" spc="-1" dirty="0">
                 <a:solidFill>
                   <a:schemeClr val="dk1"/>
                 </a:solidFill>
                 <a:latin typeface="-apple-system"/>
               </a:rPr>
-              <a:t>Design: When the player approaches an npc they may talk too, a chat bubble will appear above the npc's head indicating the player is able to interact with this npc. Npc's have a detection zone around them that triggers the chat bubble icon's visibility. When a player character enters the zone the visibility is set to true, when the player exits the zone, the visibility is set to false. While within the zone, if the player presses enter, the dialog for that npc will be triggered.</a:t>
+              <a:t>Design: When the player approaches an </a:t>
             </a:r>
-            <a:endParaRPr lang="en-US" sz="2000" b="0" strike="noStrike" spc="-1">
+            <a:r>
+              <a:rPr lang="en-US" sz="2000" b="0" strike="noStrike" spc="-1" dirty="0" err="1">
+                <a:solidFill>
+                  <a:schemeClr val="dk1"/>
+                </a:solidFill>
+                <a:latin typeface="-apple-system"/>
+              </a:rPr>
+              <a:t>npc</a:t>
+            </a:r>
+            <a:r>
+              <a:rPr lang="en-US" sz="2000" b="0" strike="noStrike" spc="-1" dirty="0">
+                <a:solidFill>
+                  <a:schemeClr val="dk1"/>
+                </a:solidFill>
+                <a:latin typeface="-apple-system"/>
+              </a:rPr>
+              <a:t> they may talk too, a chat bubble will appear above the </a:t>
+            </a:r>
+            <a:r>
+              <a:rPr lang="en-US" sz="2000" b="0" strike="noStrike" spc="-1" dirty="0" err="1">
+                <a:solidFill>
+                  <a:schemeClr val="dk1"/>
+                </a:solidFill>
+                <a:latin typeface="-apple-system"/>
+              </a:rPr>
+              <a:t>npc's</a:t>
+            </a:r>
+            <a:r>
+              <a:rPr lang="en-US" sz="2000" b="0" strike="noStrike" spc="-1" dirty="0">
+                <a:solidFill>
+                  <a:schemeClr val="dk1"/>
+                </a:solidFill>
+                <a:latin typeface="-apple-system"/>
+              </a:rPr>
+              <a:t> head indicating the player is able to interact with this </a:t>
+            </a:r>
+            <a:r>
+              <a:rPr lang="en-US" sz="2000" b="0" strike="noStrike" spc="-1" dirty="0" err="1">
+                <a:solidFill>
+                  <a:schemeClr val="dk1"/>
+                </a:solidFill>
+                <a:latin typeface="-apple-system"/>
+              </a:rPr>
+              <a:t>npc</a:t>
+            </a:r>
+            <a:r>
+              <a:rPr lang="en-US" sz="2000" b="0" strike="noStrike" spc="-1" dirty="0">
+                <a:solidFill>
+                  <a:schemeClr val="dk1"/>
+                </a:solidFill>
+                <a:latin typeface="-apple-system"/>
+              </a:rPr>
+              <a:t>. </a:t>
+            </a:r>
+            <a:r>
+              <a:rPr lang="en-US" sz="2000" b="0" strike="noStrike" spc="-1" dirty="0" err="1">
+                <a:solidFill>
+                  <a:schemeClr val="dk1"/>
+                </a:solidFill>
+                <a:latin typeface="-apple-system"/>
+              </a:rPr>
+              <a:t>Npc's</a:t>
+            </a:r>
+            <a:r>
+              <a:rPr lang="en-US" sz="2000" b="0" strike="noStrike" spc="-1" dirty="0">
+                <a:solidFill>
+                  <a:schemeClr val="dk1"/>
+                </a:solidFill>
+                <a:latin typeface="-apple-system"/>
+              </a:rPr>
+              <a:t> have a detection zone around them that triggers the chat bubble icon's visibility. When a player character enters the zone the visibility is set to true, when the player exits the zone, the visibility is set to false. While within the zone, if the player presses enter, the dialog for that </a:t>
+            </a:r>
+            <a:r>
+              <a:rPr lang="en-US" sz="2000" b="0" strike="noStrike" spc="-1" dirty="0" err="1">
+                <a:solidFill>
+                  <a:schemeClr val="dk1"/>
+                </a:solidFill>
+                <a:latin typeface="-apple-system"/>
+              </a:rPr>
+              <a:t>npc</a:t>
+            </a:r>
+            <a:r>
+              <a:rPr lang="en-US" sz="2000" b="0" strike="noStrike" spc="-1" dirty="0">
+                <a:solidFill>
+                  <a:schemeClr val="dk1"/>
+                </a:solidFill>
+                <a:latin typeface="-apple-system"/>
+              </a:rPr>
+              <a:t> will be triggered.</a:t>
+            </a:r>
+            <a:endParaRPr lang="en-US" sz="2000" b="0" strike="noStrike" spc="-1" dirty="0">
               <a:solidFill>
                 <a:srgbClr val="FFFFFF"/>
               </a:solidFill>
@@ -14216,7 +14379,7 @@
               </a:tabLst>
             </a:pPr>
             <a:r>
-              <a:rPr lang="en-US" sz="2000" b="0" strike="noStrike" spc="-1">
+              <a:rPr lang="en-US" sz="2000" b="0" strike="noStrike" spc="-1" dirty="0">
                 <a:solidFill>
                   <a:schemeClr val="dk1"/>
                 </a:solidFill>
@@ -14224,7 +14387,7 @@
               </a:rPr>
               <a:t>Conclusion: Dialog is implemented through the Dialogic library. The player can select options when talking to an NPC that lead to differing results</a:t>
             </a:r>
-            <a:endParaRPr lang="en-US" sz="2000" b="0" strike="noStrike" spc="-1">
+            <a:endParaRPr lang="en-US" sz="2000" b="0" strike="noStrike" spc="-1" dirty="0">
               <a:solidFill>
                 <a:srgbClr val="FFFFFF"/>
               </a:solidFill>
@@ -14240,16 +14403,11 @@
           </p:cNvPr>
           <p:cNvPicPr/>
           <p:nvPr>
-            <a:videoFile r:link="rId2"/>
-            <p:extLst>
-              <p:ext uri="{DAA4B4D4-6D71-4841-9C94-3DE7FCFB9230}">
-                <p14:media xmlns:p14="http://schemas.microsoft.com/office/powerpoint/2010/main" r:link="rId3"/>
-              </p:ext>
-            </p:extLst>
+            <a:videoFile r:link="rId1"/>
           </p:nvPr>
         </p:nvPicPr>
         <p:blipFill>
-          <a:blip r:embed="rId6"/>
+          <a:blip r:embed="rId4"/>
           <a:stretch>
             <a:fillRect/>
           </a:stretch>
@@ -14274,7 +14432,7 @@
           <p:nvPr/>
         </p:nvPicPr>
         <p:blipFill>
-          <a:blip r:embed="rId7"/>
+          <a:blip r:embed="rId5"/>
           <a:stretch/>
         </p:blipFill>
         <p:spPr>

--- a/presentation materials/matthews-journey-presentation.pptx
+++ b/presentation materials/matthews-journey-presentation.pptx
@@ -1253,7 +1253,7 @@
         <p:spPr>
           <a:xfrm>
             <a:off x="685800" y="1143000"/>
-            <a:ext cx="5484960" cy="3084840"/>
+            <a:ext cx="5484813" cy="3084513"/>
           </a:xfrm>
           <a:prstGeom prst="rect">
             <a:avLst/>
@@ -1302,7 +1302,7 @@
               </a:tabLst>
             </a:pPr>
             <a:r>
-              <a:rPr lang="en-US" sz="2000" b="0" strike="noStrike" spc="-1">
+              <a:rPr lang="en-US" sz="2000" b="0" strike="noStrike" spc="-1" dirty="0">
                 <a:solidFill>
                   <a:srgbClr val="000000"/>
                 </a:solidFill>
@@ -13527,7 +13527,7 @@
         </p:spPr>
         <p:txBody>
           <a:bodyPr lIns="91440" tIns="45720" rIns="91440" bIns="45720" anchor="t">
-            <a:normAutofit fontScale="93333"/>
+            <a:normAutofit fontScale="85833"/>
           </a:bodyPr>
           <a:lstStyle/>
           <a:p>
@@ -13543,7 +13543,7 @@
                 <a:tab pos="0" algn="l"/>
               </a:tabLst>
             </a:pPr>
-            <a:endParaRPr lang="en-US" sz="2000" b="0" strike="noStrike" spc="-1">
+            <a:endParaRPr lang="en-US" sz="2000" b="0" strike="noStrike" spc="-1" dirty="0">
               <a:solidFill>
                 <a:srgbClr val="FFFFFF"/>
               </a:solidFill>
@@ -13571,7 +13571,7 @@
               </a:tabLst>
             </a:pPr>
             <a:r>
-              <a:rPr lang="en-US" sz="2000" b="0" strike="noStrike" spc="-1">
+              <a:rPr lang="en-US" sz="2000" b="0" strike="noStrike" spc="-1" dirty="0">
                 <a:solidFill>
                   <a:schemeClr val="dk1"/>
                 </a:solidFill>
@@ -13579,7 +13579,7 @@
               </a:rPr>
               <a:t>User Story: As a player developer, I want elements in the environment for the player to interact with.</a:t>
             </a:r>
-            <a:endParaRPr lang="en-US" sz="2000" b="0" strike="noStrike" spc="-1">
+            <a:endParaRPr lang="en-US" sz="2000" b="0" strike="noStrike" spc="-1" dirty="0">
               <a:solidFill>
                 <a:srgbClr val="FFFFFF"/>
               </a:solidFill>
@@ -13607,7 +13607,7 @@
               </a:tabLst>
             </a:pPr>
             <a:r>
-              <a:rPr lang="en-US" sz="2000" b="0" strike="noStrike" spc="-1">
+              <a:rPr lang="en-US" sz="2000" b="0" strike="noStrike" spc="-1" dirty="0">
                 <a:solidFill>
                   <a:schemeClr val="dk1"/>
                 </a:solidFill>
@@ -13615,7 +13615,7 @@
               </a:rPr>
               <a:t>Requirement: There shall be items in the environment for the player to pickup</a:t>
             </a:r>
-            <a:endParaRPr lang="en-US" sz="2000" b="0" strike="noStrike" spc="-1">
+            <a:endParaRPr lang="en-US" sz="2000" b="0" strike="noStrike" spc="-1" dirty="0">
               <a:solidFill>
                 <a:srgbClr val="FFFFFF"/>
               </a:solidFill>
@@ -13641,7 +13641,7 @@
               </a:tabLst>
             </a:pPr>
             <a:r>
-              <a:rPr lang="en-US" sz="2000" b="0" strike="noStrike" spc="-1">
+              <a:rPr lang="en-US" sz="2000" b="0" strike="noStrike" spc="-1" dirty="0">
                 <a:solidFill>
                   <a:schemeClr val="dk1"/>
                 </a:solidFill>
@@ -13649,7 +13649,7 @@
               </a:rPr>
               <a:t>There shall be health pickups that will heal the players health</a:t>
             </a:r>
-            <a:endParaRPr lang="en-US" sz="2000" b="0" strike="noStrike" spc="-1">
+            <a:endParaRPr lang="en-US" sz="2000" b="0" strike="noStrike" spc="-1" dirty="0">
               <a:solidFill>
                 <a:srgbClr val="FFFFFF"/>
               </a:solidFill>
@@ -13675,7 +13675,7 @@
               </a:tabLst>
             </a:pPr>
             <a:r>
-              <a:rPr lang="en-US" sz="2000" b="0" strike="noStrike" spc="-1">
+              <a:rPr lang="en-US" sz="2000" b="0" strike="noStrike" spc="-1" dirty="0">
                 <a:solidFill>
                   <a:schemeClr val="dk1"/>
                 </a:solidFill>
@@ -13683,7 +13683,7 @@
               </a:rPr>
               <a:t>There shall be coin pickups </a:t>
             </a:r>
-            <a:endParaRPr lang="en-US" sz="2000" b="0" strike="noStrike" spc="-1">
+            <a:endParaRPr lang="en-US" sz="2000" b="0" strike="noStrike" spc="-1" dirty="0">
               <a:solidFill>
                 <a:srgbClr val="FFFFFF"/>
               </a:solidFill>
@@ -13708,20 +13708,77 @@
               </a:tabLst>
             </a:pPr>
             <a:r>
-              <a:rPr lang="en-US" sz="2000" b="0" strike="noStrike" spc="-1">
+              <a:rPr lang="en-US" sz="2000" b="0" strike="noStrike" spc="-1" dirty="0">
                 <a:solidFill>
                   <a:schemeClr val="dk1"/>
                 </a:solidFill>
                 <a:latin typeface="-apple-system"/>
               </a:rPr>
-              <a:t>Design:</a:t>
+              <a:t>Design</a:t>
             </a:r>
-            <a:endParaRPr lang="en-US" sz="2000" b="0" strike="noStrike" spc="-1">
-              <a:solidFill>
-                <a:srgbClr val="FFFFFF"/>
-              </a:solidFill>
-              <a:latin typeface="Arial"/>
-            </a:endParaRPr>
+            <a:r>
+              <a:rPr lang="en-US" sz="2000" spc="-1" dirty="0">
+                <a:solidFill>
+                  <a:schemeClr val="dk1"/>
+                </a:solidFill>
+                <a:latin typeface="-apple-system"/>
+              </a:rPr>
+              <a:t>: All items are automatically taken (with the exception of health items) when the player touches them. The items contribute to a counter and when the counter is modified (ex: var </a:t>
+            </a:r>
+            <a:r>
+              <a:rPr lang="en-US" sz="2000" spc="-1" dirty="0" err="1">
+                <a:solidFill>
+                  <a:schemeClr val="dk1"/>
+                </a:solidFill>
+                <a:latin typeface="-apple-system"/>
+              </a:rPr>
+              <a:t>current_</a:t>
+            </a:r>
+            <a:r>
+              <a:rPr lang="en-US" sz="2000" u="sng" spc="-1" dirty="0" err="1">
+                <a:solidFill>
+                  <a:schemeClr val="dk1"/>
+                </a:solidFill>
+                <a:latin typeface="-apple-system"/>
+              </a:rPr>
+              <a:t>blank</a:t>
+            </a:r>
+            <a:r>
+              <a:rPr lang="en-US" sz="2000" spc="-1" dirty="0">
+                <a:solidFill>
+                  <a:schemeClr val="dk1"/>
+                </a:solidFill>
+                <a:latin typeface="-apple-system"/>
+              </a:rPr>
+              <a:t>_), the UI updates accordingly (ex: signal </a:t>
+            </a:r>
+            <a:r>
+              <a:rPr lang="en-US" sz="2000" spc="-1" dirty="0" err="1">
+                <a:solidFill>
+                  <a:schemeClr val="dk1"/>
+                </a:solidFill>
+                <a:latin typeface="-apple-system"/>
+              </a:rPr>
+              <a:t>update_</a:t>
+            </a:r>
+            <a:r>
+              <a:rPr lang="en-US" sz="2000" u="sng" spc="-1" dirty="0" err="1">
+                <a:solidFill>
+                  <a:schemeClr val="dk1"/>
+                </a:solidFill>
+                <a:latin typeface="-apple-system"/>
+              </a:rPr>
+              <a:t>blank</a:t>
+            </a:r>
+            <a:r>
+              <a:rPr lang="en-US" sz="2000" spc="-1" dirty="0">
+                <a:solidFill>
+                  <a:schemeClr val="dk1"/>
+                </a:solidFill>
+                <a:latin typeface="-apple-system"/>
+              </a:rPr>
+              <a:t>_).</a:t>
+            </a:r>
           </a:p>
           <a:p>
             <a:pPr marL="228600" indent="-228600" defTabSz="914400">
@@ -13741,7 +13798,7 @@
               </a:tabLst>
             </a:pPr>
             <a:r>
-              <a:rPr lang="en-US" sz="2000" b="0" strike="noStrike" spc="-1">
+              <a:rPr lang="en-US" sz="2000" b="0" strike="noStrike" spc="-1" dirty="0">
                 <a:solidFill>
                   <a:schemeClr val="dk1"/>
                 </a:solidFill>
@@ -13749,7 +13806,7 @@
               </a:rPr>
               <a:t>Conclusion: There are two types of health pickup: apple that restores 1 health, and cherry that restores all health. Coins come in 5 different denominations and the total value is tracked in the HUD.  </a:t>
             </a:r>
-            <a:endParaRPr lang="en-US" sz="2000" b="0" strike="noStrike" spc="-1">
+            <a:endParaRPr lang="en-US" sz="2000" b="0" strike="noStrike" spc="-1" dirty="0">
               <a:solidFill>
                 <a:srgbClr val="FFFFFF"/>
               </a:solidFill>

--- a/presentation materials/matthews-journey-presentation.pptx
+++ b/presentation materials/matthews-journey-presentation.pptx
@@ -13842,6 +13842,42 @@
           <a:ln w="0">
             <a:noFill/>
           </a:ln>
+        </p:spPr>
+      </p:pic>
+      <p:pic>
+        <p:nvPicPr>
+          <p:cNvPr id="3" name="Picture 2" descr="A diagram of a complex flowchart&#10;&#10;Description automatically generated">
+            <a:extLst>
+              <a:ext uri="{FF2B5EF4-FFF2-40B4-BE49-F238E27FC236}">
+                <a16:creationId xmlns:a16="http://schemas.microsoft.com/office/drawing/2014/main" id="{54E38E67-59C5-0124-D58C-722A45873662}"/>
+              </a:ext>
+            </a:extLst>
+          </p:cNvPr>
+          <p:cNvPicPr>
+            <a:picLocks noChangeAspect="1"/>
+          </p:cNvPicPr>
+          <p:nvPr/>
+        </p:nvPicPr>
+        <p:blipFill>
+          <a:blip r:embed="rId5">
+            <a:extLst>
+              <a:ext uri="{28A0092B-C50C-407E-A947-70E740481C1C}">
+                <a14:useLocalDpi xmlns:a14="http://schemas.microsoft.com/office/drawing/2010/main" val="0"/>
+              </a:ext>
+            </a:extLst>
+          </a:blip>
+          <a:stretch>
+            <a:fillRect/>
+          </a:stretch>
+        </p:blipFill>
+        <p:spPr>
+          <a:xfrm>
+            <a:off x="6725330" y="3707280"/>
+            <a:ext cx="4346847" cy="3064917"/>
+          </a:xfrm>
+          <a:prstGeom prst="rect">
+            <a:avLst/>
+          </a:prstGeom>
         </p:spPr>
       </p:pic>
     </p:spTree>

--- a/presentation materials/matthews-journey-presentation.pptx
+++ b/presentation materials/matthews-journey-presentation.pptx
@@ -1642,7 +1642,7 @@
               </a:tabLst>
             </a:pPr>
             <a:r>
-              <a:rPr lang="en-US" sz="2000" b="0" strike="noStrike" spc="-1">
+              <a:rPr lang="en-US" sz="2000" b="0" strike="noStrike" spc="-1" dirty="0">
                 <a:solidFill>
                   <a:srgbClr val="000000"/>
                 </a:solidFill>
@@ -14881,7 +14881,7 @@
         </p:nvSpPr>
         <p:spPr>
           <a:xfrm>
-            <a:off x="228600" y="685800"/>
+            <a:off x="188880" y="912960"/>
             <a:ext cx="7315200" cy="5943600"/>
           </a:xfrm>
           <a:prstGeom prst="rect">
@@ -14894,7 +14894,7 @@
         </p:spPr>
         <p:txBody>
           <a:bodyPr lIns="91440" tIns="45720" rIns="91440" bIns="45720" anchor="t">
-            <a:normAutofit fontScale="97499" lnSpcReduction="10000"/>
+            <a:normAutofit fontScale="89999" lnSpcReduction="20000"/>
           </a:bodyPr>
           <a:lstStyle/>
           <a:p>
@@ -14916,6 +14916,31 @@
               </a:solidFill>
               <a:latin typeface="Arial"/>
             </a:endParaRPr>
+          </a:p>
+          <a:p>
+            <a:pPr defTabSz="914400">
+              <a:lnSpc>
+                <a:spcPct val="90000"/>
+              </a:lnSpc>
+              <a:spcBef>
+                <a:spcPts val="1001"/>
+              </a:spcBef>
+              <a:buClr>
+                <a:srgbClr val="FFFFFF"/>
+              </a:buClr>
+              <a:tabLst>
+                <a:tab pos="0" algn="l"/>
+              </a:tabLst>
+            </a:pPr>
+            <a:r>
+              <a:rPr lang="en-US" sz="2000" b="0" strike="noStrike" spc="-1" dirty="0">
+                <a:solidFill>
+                  <a:schemeClr val="dk1"/>
+                </a:solidFill>
+                <a:latin typeface="-apple-system"/>
+              </a:rPr>
+              <a:t>User Story: </a:t>
+            </a:r>
           </a:p>
           <a:p>
             <a:pPr marL="228600" indent="-228600" defTabSz="914400">
@@ -14941,7 +14966,7 @@
                 </a:solidFill>
                 <a:latin typeface="-apple-system"/>
               </a:rPr>
-              <a:t>User Story: - As a player, I want to navigate an environment that's easy to explore with collision that supports my movement and keeps me within bounds.</a:t>
+              <a:t>As a player, I want to navigate an environment that's easy to explore with collision that supports my movement and keeps me within bounds.</a:t>
             </a:r>
             <a:endParaRPr lang="en-US" sz="2000" b="0" strike="noStrike" spc="-1" dirty="0">
               <a:solidFill>
@@ -14949,6 +14974,31 @@
               </a:solidFill>
               <a:latin typeface="Arial"/>
             </a:endParaRPr>
+          </a:p>
+          <a:p>
+            <a:pPr defTabSz="914400">
+              <a:lnSpc>
+                <a:spcPct val="90000"/>
+              </a:lnSpc>
+              <a:spcBef>
+                <a:spcPts val="1001"/>
+              </a:spcBef>
+              <a:buClr>
+                <a:srgbClr val="FFFFFF"/>
+              </a:buClr>
+              <a:tabLst>
+                <a:tab pos="0" algn="l"/>
+              </a:tabLst>
+            </a:pPr>
+            <a:r>
+              <a:rPr lang="en-US" sz="2000" b="0" strike="noStrike" spc="-1" dirty="0">
+                <a:solidFill>
+                  <a:schemeClr val="dk1"/>
+                </a:solidFill>
+                <a:latin typeface="-apple-system"/>
+              </a:rPr>
+              <a:t>Requirement: </a:t>
+            </a:r>
           </a:p>
           <a:p>
             <a:pPr marL="228600" indent="-228600" defTabSz="914400">
@@ -14974,13 +15024,44 @@
                 </a:solidFill>
                 <a:latin typeface="-apple-system"/>
               </a:rPr>
-              <a:t>Requirement: The play area shall have boundaries.</a:t>
+              <a:t>The play area shall have boundaries.</a:t>
             </a:r>
             <a:endParaRPr lang="en-US" sz="2000" b="0" strike="noStrike" spc="-1" dirty="0">
               <a:solidFill>
                 <a:srgbClr val="FFFFFF"/>
               </a:solidFill>
               <a:latin typeface="Arial"/>
+            </a:endParaRPr>
+          </a:p>
+          <a:p>
+            <a:pPr defTabSz="914400">
+              <a:lnSpc>
+                <a:spcPct val="90000"/>
+              </a:lnSpc>
+              <a:spcBef>
+                <a:spcPts val="1001"/>
+              </a:spcBef>
+              <a:buClr>
+                <a:srgbClr val="FFFFFF"/>
+              </a:buClr>
+              <a:tabLst>
+                <a:tab pos="0" algn="l"/>
+              </a:tabLst>
+            </a:pPr>
+            <a:r>
+              <a:rPr lang="en-US" sz="2000" b="0" strike="noStrike" spc="-1" dirty="0">
+                <a:solidFill>
+                  <a:schemeClr val="dk1"/>
+                </a:solidFill>
+                <a:latin typeface="-apple-system"/>
+              </a:rPr>
+              <a:t>Design: </a:t>
+            </a:r>
+            <a:endParaRPr lang="en-US" sz="100" b="0" strike="noStrike" spc="-1" dirty="0">
+              <a:solidFill>
+                <a:schemeClr val="dk1"/>
+              </a:solidFill>
+              <a:latin typeface="-apple-system"/>
             </a:endParaRPr>
           </a:p>
           <a:p>
@@ -15007,7 +15088,7 @@
                 </a:solidFill>
                 <a:latin typeface="-apple-system"/>
               </a:rPr>
-              <a:t>Design: </a:t>
+              <a:t>The player has a fixed camera that keeps the player body at the center of the screen at all times. </a:t>
             </a:r>
           </a:p>
           <a:p>
@@ -15034,7 +15115,7 @@
                 </a:solidFill>
                 <a:latin typeface="-apple-system"/>
               </a:rPr>
-              <a:t>The player has a fixed camera that keeps the player body at the center of the screen at all times. </a:t>
+              <a:t>In order to not break immersion, it's important that the player does not see any blank space in the levels where there is no map. </a:t>
             </a:r>
           </a:p>
           <a:p>
@@ -15061,7 +15142,7 @@
                 </a:solidFill>
                 <a:latin typeface="-apple-system"/>
               </a:rPr>
-              <a:t>In order to not break immersion, it's important that the player does not see any blank space in the levels where there is no map. </a:t>
+              <a:t>To achieve this, there must be a playable area that the player can freely navigate which is enclosed. There will be another area that the player cannot access which functions as a decorative space to hide the edges of the level where the content ends. </a:t>
             </a:r>
           </a:p>
           <a:p>
@@ -15088,7 +15169,7 @@
                 </a:solidFill>
                 <a:latin typeface="-apple-system"/>
               </a:rPr>
-              <a:t>To achieve this, there must be a playable area that the player can freely navigate which is enclosed. There will be another area that the player cannot access which functions as a decorative space to hide the edges of the level where the content ends. </a:t>
+              <a:t>The inaccessible area must be a minimum of half the height or width of the player camera to accurately hide the blank space. </a:t>
             </a:r>
           </a:p>
           <a:p>
@@ -15115,7 +15196,38 @@
                 </a:solidFill>
                 <a:latin typeface="-apple-system"/>
               </a:rPr>
-              <a:t>The inaccessible area must be a minimum of half the height or width of the player camera to accurately hide the blank space. </a:t>
+              <a:t>Achieving this will create immersion and a cohesive game environment.</a:t>
+            </a:r>
+            <a:endParaRPr lang="en-US" sz="2000" b="0" strike="noStrike" spc="-1" dirty="0">
+              <a:solidFill>
+                <a:srgbClr val="FFFFFF"/>
+              </a:solidFill>
+              <a:latin typeface="Arial"/>
+            </a:endParaRPr>
+          </a:p>
+          <a:p>
+            <a:pPr defTabSz="914400">
+              <a:lnSpc>
+                <a:spcPct val="90000"/>
+              </a:lnSpc>
+              <a:spcBef>
+                <a:spcPts val="1001"/>
+              </a:spcBef>
+              <a:buClr>
+                <a:srgbClr val="FFFFFF"/>
+              </a:buClr>
+              <a:tabLst>
+                <a:tab pos="0" algn="l"/>
+              </a:tabLst>
+            </a:pPr>
+            <a:r>
+              <a:rPr lang="en-US" sz="2000" b="0" strike="noStrike" spc="-1" dirty="0">
+                <a:solidFill>
+                  <a:schemeClr val="dk1"/>
+                </a:solidFill>
+                <a:latin typeface="-apple-system"/>
+              </a:rPr>
+              <a:t>Conclusion:</a:t>
             </a:r>
           </a:p>
           <a:p>
@@ -15142,40 +15254,7 @@
                 </a:solidFill>
                 <a:latin typeface="-apple-system"/>
               </a:rPr>
-              <a:t>Achieving this will create immersion and a cohesive game environment.</a:t>
-            </a:r>
-            <a:endParaRPr lang="en-US" sz="2000" b="0" strike="noStrike" spc="-1" dirty="0">
-              <a:solidFill>
-                <a:srgbClr val="FFFFFF"/>
-              </a:solidFill>
-              <a:latin typeface="Arial"/>
-            </a:endParaRPr>
-          </a:p>
-          <a:p>
-            <a:pPr marL="228600" indent="-228600" defTabSz="914400">
-              <a:lnSpc>
-                <a:spcPct val="90000"/>
-              </a:lnSpc>
-              <a:spcBef>
-                <a:spcPts val="1001"/>
-              </a:spcBef>
-              <a:buClr>
-                <a:srgbClr val="FFFFFF"/>
-              </a:buClr>
-              <a:buFont typeface="Arial"/>
-              <a:buChar char="•"/>
-              <a:tabLst>
-                <a:tab pos="0" algn="l"/>
-              </a:tabLst>
-            </a:pPr>
-            <a:r>
-              <a:rPr lang="en-US" sz="2000" b="0" strike="noStrike" spc="-1" dirty="0">
-                <a:solidFill>
-                  <a:schemeClr val="dk1"/>
-                </a:solidFill>
-                <a:latin typeface="-apple-system"/>
-              </a:rPr>
-              <a:t>Conclusion: The map is surrounded by cliffs that act as boundaries with collision so that the player cannot see off the map.</a:t>
+              <a:t>The map is surrounded by cliffs that act as boundaries with collision so that the player cannot see off the map.</a:t>
             </a:r>
             <a:endParaRPr lang="en-US" sz="2000" b="0" strike="noStrike" spc="-1" dirty="0">
               <a:solidFill>

--- a/presentation materials/matthews-journey-presentation.pptx
+++ b/presentation materials/matthews-journey-presentation.pptx
@@ -12413,7 +12413,7 @@
                 </a:solidFill>
                 <a:latin typeface="-apple-system"/>
               </a:rPr>
-              <a:t>Combat</a:t>
+              <a:t>Combat (Robert)</a:t>
             </a:r>
           </a:p>
           <a:p>
@@ -12437,7 +12437,7 @@
                 </a:solidFill>
                 <a:latin typeface="-apple-system"/>
               </a:rPr>
-              <a:t>Items</a:t>
+              <a:t>Items (Virginia)</a:t>
             </a:r>
           </a:p>
           <a:p>
@@ -12461,7 +12461,7 @@
                 </a:solidFill>
                 <a:latin typeface="-apple-system"/>
               </a:rPr>
-              <a:t>GUI</a:t>
+              <a:t>GUI (Josiah)</a:t>
             </a:r>
           </a:p>
           <a:p>
@@ -12485,7 +12485,7 @@
                 </a:solidFill>
                 <a:latin typeface="-apple-system"/>
               </a:rPr>
-              <a:t>Map</a:t>
+              <a:t>Map (Cara)</a:t>
             </a:r>
             <a:endParaRPr lang="en-US" sz="3200" b="0" strike="noStrike" spc="-1" dirty="0">
               <a:solidFill>

--- a/presentation materials/matthews-journey-presentation.pptx
+++ b/presentation materials/matthews-journey-presentation.pptx
@@ -14881,7 +14881,7 @@
         </p:nvSpPr>
         <p:spPr>
           <a:xfrm>
-            <a:off x="228600" y="685800"/>
+            <a:off x="201240" y="866880"/>
             <a:ext cx="7315200" cy="5943600"/>
           </a:xfrm>
           <a:prstGeom prst="rect">
@@ -14894,7 +14894,7 @@
         </p:spPr>
         <p:txBody>
           <a:bodyPr lIns="91440" tIns="45720" rIns="91440" bIns="45720" anchor="t">
-            <a:normAutofit fontScale="97499" lnSpcReduction="10000"/>
+            <a:normAutofit fontScale="89999" lnSpcReduction="20000"/>
           </a:bodyPr>
           <a:lstStyle/>
           <a:p>
@@ -14916,6 +14916,31 @@
               </a:solidFill>
               <a:latin typeface="Arial"/>
             </a:endParaRPr>
+          </a:p>
+          <a:p>
+            <a:pPr defTabSz="914400">
+              <a:lnSpc>
+                <a:spcPct val="90000"/>
+              </a:lnSpc>
+              <a:spcBef>
+                <a:spcPts val="1001"/>
+              </a:spcBef>
+              <a:buClr>
+                <a:srgbClr val="FFFFFF"/>
+              </a:buClr>
+              <a:tabLst>
+                <a:tab pos="0" algn="l"/>
+              </a:tabLst>
+            </a:pPr>
+            <a:r>
+              <a:rPr lang="en-US" sz="2000" b="0" u="sng" strike="noStrike" spc="-1" dirty="0">
+                <a:solidFill>
+                  <a:schemeClr val="dk1"/>
+                </a:solidFill>
+                <a:latin typeface="-apple-system"/>
+              </a:rPr>
+              <a:t>User Story:</a:t>
+            </a:r>
           </a:p>
           <a:p>
             <a:pPr marL="228600" indent="-228600" defTabSz="914400">
@@ -14941,7 +14966,7 @@
                 </a:solidFill>
                 <a:latin typeface="-apple-system"/>
               </a:rPr>
-              <a:t>User Story: - As a player, I want to navigate an environment that's easy to explore with collision that supports my movement and keeps me within bounds.</a:t>
+              <a:t>As a player, I want to navigate an environment that's easy to explore with collision that supports my movement and keeps me within bounds.</a:t>
             </a:r>
             <a:endParaRPr lang="en-US" sz="2000" b="0" strike="noStrike" spc="-1" dirty="0">
               <a:solidFill>
@@ -14949,6 +14974,31 @@
               </a:solidFill>
               <a:latin typeface="Arial"/>
             </a:endParaRPr>
+          </a:p>
+          <a:p>
+            <a:pPr defTabSz="914400">
+              <a:lnSpc>
+                <a:spcPct val="90000"/>
+              </a:lnSpc>
+              <a:spcBef>
+                <a:spcPts val="1001"/>
+              </a:spcBef>
+              <a:buClr>
+                <a:srgbClr val="FFFFFF"/>
+              </a:buClr>
+              <a:tabLst>
+                <a:tab pos="0" algn="l"/>
+              </a:tabLst>
+            </a:pPr>
+            <a:r>
+              <a:rPr lang="en-US" sz="2000" b="0" u="sng" strike="noStrike" spc="-1" dirty="0">
+                <a:solidFill>
+                  <a:schemeClr val="dk1"/>
+                </a:solidFill>
+                <a:latin typeface="-apple-system"/>
+              </a:rPr>
+              <a:t>Requirement: </a:t>
+            </a:r>
           </a:p>
           <a:p>
             <a:pPr marL="228600" indent="-228600" defTabSz="914400">
@@ -14974,7 +15024,7 @@
                 </a:solidFill>
                 <a:latin typeface="-apple-system"/>
               </a:rPr>
-              <a:t>Requirement: The play area shall have boundaries.</a:t>
+              <a:t>The play area shall have boundaries.</a:t>
             </a:r>
             <a:endParaRPr lang="en-US" sz="2000" b="0" strike="noStrike" spc="-1" dirty="0">
               <a:solidFill>
@@ -14982,6 +15032,31 @@
               </a:solidFill>
               <a:latin typeface="Arial"/>
             </a:endParaRPr>
+          </a:p>
+          <a:p>
+            <a:pPr defTabSz="914400">
+              <a:lnSpc>
+                <a:spcPct val="90000"/>
+              </a:lnSpc>
+              <a:spcBef>
+                <a:spcPts val="1001"/>
+              </a:spcBef>
+              <a:buClr>
+                <a:srgbClr val="FFFFFF"/>
+              </a:buClr>
+              <a:tabLst>
+                <a:tab pos="0" algn="l"/>
+              </a:tabLst>
+            </a:pPr>
+            <a:r>
+              <a:rPr lang="en-US" sz="2000" b="0" u="sng" strike="noStrike" spc="-1" dirty="0">
+                <a:solidFill>
+                  <a:schemeClr val="dk1"/>
+                </a:solidFill>
+                <a:latin typeface="-apple-system"/>
+              </a:rPr>
+              <a:t>Design: </a:t>
+            </a:r>
           </a:p>
           <a:p>
             <a:pPr marL="228600" indent="-228600" defTabSz="914400">
@@ -15007,7 +15082,7 @@
                 </a:solidFill>
                 <a:latin typeface="-apple-system"/>
               </a:rPr>
-              <a:t>Design: </a:t>
+              <a:t>The player has a fixed camera that keeps the player body at the center of the screen at all times. </a:t>
             </a:r>
           </a:p>
           <a:p>
@@ -15034,7 +15109,7 @@
                 </a:solidFill>
                 <a:latin typeface="-apple-system"/>
               </a:rPr>
-              <a:t>The player has a fixed camera that keeps the player body at the center of the screen at all times. </a:t>
+              <a:t>In order to not break immersion, it's important that the player does not see any blank space in the levels where there is no map. </a:t>
             </a:r>
           </a:p>
           <a:p>
@@ -15061,7 +15136,7 @@
                 </a:solidFill>
                 <a:latin typeface="-apple-system"/>
               </a:rPr>
-              <a:t>In order to not break immersion, it's important that the player does not see any blank space in the levels where there is no map. </a:t>
+              <a:t>To achieve this, there must be a playable area that the player can freely navigate which is enclosed. There will be another area that the player cannot access which functions as a decorative space to hide the edges of the level where the content ends. </a:t>
             </a:r>
           </a:p>
           <a:p>
@@ -15088,7 +15163,7 @@
                 </a:solidFill>
                 <a:latin typeface="-apple-system"/>
               </a:rPr>
-              <a:t>To achieve this, there must be a playable area that the player can freely navigate which is enclosed. There will be another area that the player cannot access which functions as a decorative space to hide the edges of the level where the content ends. </a:t>
+              <a:t>The inaccessible area must be a minimum of half the height or width of the player camera to accurately hide the blank space. </a:t>
             </a:r>
           </a:p>
           <a:p>
@@ -15115,7 +15190,38 @@
                 </a:solidFill>
                 <a:latin typeface="-apple-system"/>
               </a:rPr>
-              <a:t>The inaccessible area must be a minimum of half the height or width of the player camera to accurately hide the blank space. </a:t>
+              <a:t>Achieving this will create immersion and a cohesive game environment.</a:t>
+            </a:r>
+            <a:endParaRPr lang="en-US" sz="2000" b="0" strike="noStrike" spc="-1" dirty="0">
+              <a:solidFill>
+                <a:srgbClr val="FFFFFF"/>
+              </a:solidFill>
+              <a:latin typeface="Arial"/>
+            </a:endParaRPr>
+          </a:p>
+          <a:p>
+            <a:pPr defTabSz="914400">
+              <a:lnSpc>
+                <a:spcPct val="90000"/>
+              </a:lnSpc>
+              <a:spcBef>
+                <a:spcPts val="1001"/>
+              </a:spcBef>
+              <a:buClr>
+                <a:srgbClr val="FFFFFF"/>
+              </a:buClr>
+              <a:tabLst>
+                <a:tab pos="0" algn="l"/>
+              </a:tabLst>
+            </a:pPr>
+            <a:r>
+              <a:rPr lang="en-US" sz="2000" b="0" u="sng" strike="noStrike" spc="-1" dirty="0">
+                <a:solidFill>
+                  <a:schemeClr val="dk1"/>
+                </a:solidFill>
+                <a:latin typeface="-apple-system"/>
+              </a:rPr>
+              <a:t>Conclusion: </a:t>
             </a:r>
           </a:p>
           <a:p>
@@ -15142,40 +15248,7 @@
                 </a:solidFill>
                 <a:latin typeface="-apple-system"/>
               </a:rPr>
-              <a:t>Achieving this will create immersion and a cohesive game environment.</a:t>
-            </a:r>
-            <a:endParaRPr lang="en-US" sz="2000" b="0" strike="noStrike" spc="-1" dirty="0">
-              <a:solidFill>
-                <a:srgbClr val="FFFFFF"/>
-              </a:solidFill>
-              <a:latin typeface="Arial"/>
-            </a:endParaRPr>
-          </a:p>
-          <a:p>
-            <a:pPr marL="228600" indent="-228600" defTabSz="914400">
-              <a:lnSpc>
-                <a:spcPct val="90000"/>
-              </a:lnSpc>
-              <a:spcBef>
-                <a:spcPts val="1001"/>
-              </a:spcBef>
-              <a:buClr>
-                <a:srgbClr val="FFFFFF"/>
-              </a:buClr>
-              <a:buFont typeface="Arial"/>
-              <a:buChar char="•"/>
-              <a:tabLst>
-                <a:tab pos="0" algn="l"/>
-              </a:tabLst>
-            </a:pPr>
-            <a:r>
-              <a:rPr lang="en-US" sz="2000" b="0" strike="noStrike" spc="-1" dirty="0">
-                <a:solidFill>
-                  <a:schemeClr val="dk1"/>
-                </a:solidFill>
-                <a:latin typeface="-apple-system"/>
-              </a:rPr>
-              <a:t>Conclusion: The map is surrounded by cliffs that act as boundaries with collision so that the player cannot see off the map.</a:t>
+              <a:t>The map is surrounded by cliffs that act as boundaries with collision so that the player cannot see off the map.</a:t>
             </a:r>
             <a:endParaRPr lang="en-US" sz="2000" b="0" strike="noStrike" spc="-1" dirty="0">
               <a:solidFill>
@@ -15221,7 +15294,7 @@
         </p:blipFill>
         <p:spPr>
           <a:xfrm>
-            <a:off x="8721000" y="5016600"/>
+            <a:off x="8719560" y="5136480"/>
             <a:ext cx="2251800" cy="1600200"/>
           </a:xfrm>
           <a:prstGeom prst="rect">
